--- a/Presentation PPT.pptx
+++ b/Presentation PPT.pptx
@@ -251,7 +251,7 @@
           <a:p>
             <a:fld id="{36148357-C3F3-48EA-91BB-62A718F499E5}" type="datetimeFigureOut">
               <a:rPr lang="en-IN" smtClean="0"/>
-              <a:t>29-11-2020</a:t>
+              <a:t>30-11-2020</a:t>
             </a:fld>
             <a:endParaRPr lang="en-IN"/>
           </a:p>
@@ -421,7 +421,7 @@
           <a:p>
             <a:fld id="{36148357-C3F3-48EA-91BB-62A718F499E5}" type="datetimeFigureOut">
               <a:rPr lang="en-IN" smtClean="0"/>
-              <a:t>29-11-2020</a:t>
+              <a:t>30-11-2020</a:t>
             </a:fld>
             <a:endParaRPr lang="en-IN"/>
           </a:p>
@@ -601,7 +601,7 @@
           <a:p>
             <a:fld id="{36148357-C3F3-48EA-91BB-62A718F499E5}" type="datetimeFigureOut">
               <a:rPr lang="en-IN" smtClean="0"/>
-              <a:t>29-11-2020</a:t>
+              <a:t>30-11-2020</a:t>
             </a:fld>
             <a:endParaRPr lang="en-IN"/>
           </a:p>
@@ -771,7 +771,7 @@
           <a:p>
             <a:fld id="{36148357-C3F3-48EA-91BB-62A718F499E5}" type="datetimeFigureOut">
               <a:rPr lang="en-IN" smtClean="0"/>
-              <a:t>29-11-2020</a:t>
+              <a:t>30-11-2020</a:t>
             </a:fld>
             <a:endParaRPr lang="en-IN"/>
           </a:p>
@@ -1017,7 +1017,7 @@
           <a:p>
             <a:fld id="{36148357-C3F3-48EA-91BB-62A718F499E5}" type="datetimeFigureOut">
               <a:rPr lang="en-IN" smtClean="0"/>
-              <a:t>29-11-2020</a:t>
+              <a:t>30-11-2020</a:t>
             </a:fld>
             <a:endParaRPr lang="en-IN"/>
           </a:p>
@@ -1249,7 +1249,7 @@
           <a:p>
             <a:fld id="{36148357-C3F3-48EA-91BB-62A718F499E5}" type="datetimeFigureOut">
               <a:rPr lang="en-IN" smtClean="0"/>
-              <a:t>29-11-2020</a:t>
+              <a:t>30-11-2020</a:t>
             </a:fld>
             <a:endParaRPr lang="en-IN"/>
           </a:p>
@@ -1616,7 +1616,7 @@
           <a:p>
             <a:fld id="{36148357-C3F3-48EA-91BB-62A718F499E5}" type="datetimeFigureOut">
               <a:rPr lang="en-IN" smtClean="0"/>
-              <a:t>29-11-2020</a:t>
+              <a:t>30-11-2020</a:t>
             </a:fld>
             <a:endParaRPr lang="en-IN"/>
           </a:p>
@@ -1734,7 +1734,7 @@
           <a:p>
             <a:fld id="{36148357-C3F3-48EA-91BB-62A718F499E5}" type="datetimeFigureOut">
               <a:rPr lang="en-IN" smtClean="0"/>
-              <a:t>29-11-2020</a:t>
+              <a:t>30-11-2020</a:t>
             </a:fld>
             <a:endParaRPr lang="en-IN"/>
           </a:p>
@@ -1829,7 +1829,7 @@
           <a:p>
             <a:fld id="{36148357-C3F3-48EA-91BB-62A718F499E5}" type="datetimeFigureOut">
               <a:rPr lang="en-IN" smtClean="0"/>
-              <a:t>29-11-2020</a:t>
+              <a:t>30-11-2020</a:t>
             </a:fld>
             <a:endParaRPr lang="en-IN"/>
           </a:p>
@@ -2106,7 +2106,7 @@
           <a:p>
             <a:fld id="{36148357-C3F3-48EA-91BB-62A718F499E5}" type="datetimeFigureOut">
               <a:rPr lang="en-IN" smtClean="0"/>
-              <a:t>29-11-2020</a:t>
+              <a:t>30-11-2020</a:t>
             </a:fld>
             <a:endParaRPr lang="en-IN"/>
           </a:p>
@@ -2359,7 +2359,7 @@
           <a:p>
             <a:fld id="{36148357-C3F3-48EA-91BB-62A718F499E5}" type="datetimeFigureOut">
               <a:rPr lang="en-IN" smtClean="0"/>
-              <a:t>29-11-2020</a:t>
+              <a:t>30-11-2020</a:t>
             </a:fld>
             <a:endParaRPr lang="en-IN"/>
           </a:p>
@@ -2572,7 +2572,7 @@
           <a:p>
             <a:fld id="{36148357-C3F3-48EA-91BB-62A718F499E5}" type="datetimeFigureOut">
               <a:rPr lang="en-IN" smtClean="0"/>
-              <a:t>29-11-2020</a:t>
+              <a:t>30-11-2020</a:t>
             </a:fld>
             <a:endParaRPr lang="en-IN"/>
           </a:p>
@@ -3170,13 +3170,7 @@
               <a:rPr lang="en-IN" sz="2800" b="1">
                 <a:latin typeface="Arial Black" panose="020B0A04020102020204" pitchFamily="34" charset="0"/>
               </a:rPr>
-              <a:t>Dataset </a:t>
-            </a:r>
-            <a:r>
-              <a:rPr lang="en-IN" sz="2800" b="1">
-                <a:latin typeface="Arial Black" panose="020B0A04020102020204" pitchFamily="34" charset="0"/>
-              </a:rPr>
-              <a:t>: </a:t>
+              <a:t>Dataset : </a:t>
             </a:r>
             <a:r>
               <a:rPr lang="en-IN" sz="2800" b="1" smtClean="0">
@@ -3201,9 +3195,6 @@
               </a:rPr>
               <a:t>://www.kaggle.com/danofer/india-census</a:t>
             </a:r>
-            <a:endParaRPr lang="en-IN" sz="2800" b="1">
-              <a:latin typeface="Arial Black" panose="020B0A04020102020204" pitchFamily="34" charset="0"/>
-            </a:endParaRPr>
           </a:p>
         </p:txBody>
       </p:sp>
@@ -3962,7 +3953,7 @@
         </p:blipFill>
         <p:spPr>
           <a:xfrm>
-            <a:off x="2419172" y="2404841"/>
+            <a:off x="913861" y="2328564"/>
             <a:ext cx="5638800" cy="971550"/>
           </a:xfrm>
           <a:prstGeom prst="rect">
@@ -3986,8 +3977,38 @@
         </p:blipFill>
         <p:spPr>
           <a:xfrm>
-            <a:off x="2419172" y="4746387"/>
+            <a:off x="913861" y="4772024"/>
             <a:ext cx="5638800" cy="971550"/>
+          </a:xfrm>
+          <a:prstGeom prst="rect">
+            <a:avLst/>
+          </a:prstGeom>
+        </p:spPr>
+      </p:pic>
+      <p:pic>
+        <p:nvPicPr>
+          <p:cNvPr id="6" name="Picture 5"/>
+          <p:cNvPicPr>
+            <a:picLocks noChangeAspect="1"/>
+          </p:cNvPicPr>
+          <p:nvPr/>
+        </p:nvPicPr>
+        <p:blipFill>
+          <a:blip r:embed="rId4">
+            <a:extLst>
+              <a:ext uri="{28A0092B-C50C-407E-A947-70E740481C1C}">
+                <a14:useLocalDpi xmlns:a14="http://schemas.microsoft.com/office/drawing/2010/main" val="0"/>
+              </a:ext>
+            </a:extLst>
+          </a:blip>
+          <a:stretch>
+            <a:fillRect/>
+          </a:stretch>
+        </p:blipFill>
+        <p:spPr>
+          <a:xfrm>
+            <a:off x="6994541" y="1987995"/>
+            <a:ext cx="4725477" cy="3150318"/>
           </a:xfrm>
           <a:prstGeom prst="rect">
             <a:avLst/>
